--- a/Presentación.pptx
+++ b/Presentación.pptx
@@ -116,6 +116,11 @@
       </a:defRPr>
     </a:lvl9pPr>
   </p:defaultTextStyle>
+  <p:extLst>
+    <p:ext uri="{EFAFB233-063F-42B5-8137-9DF3F51BA10A}">
+      <p15:sldGuideLst xmlns:p15="http://schemas.microsoft.com/office/powerpoint/2012/main"/>
+    </p:ext>
+  </p:extLst>
 </p:presentation>
 </file>
 
@@ -3776,6 +3781,26 @@
           </a:p>
           <a:p>
             <a:pPr algn="ctr"/>
+            <a:r>
+              <a:rPr lang="es-ES" sz="2400" b="1" dirty="0">
+                <a:solidFill>
+                  <a:schemeClr val="bg1"/>
+                </a:solidFill>
+                <a:effectLst>
+                  <a:outerShdw blurRad="38100" dist="38100" dir="2700000" algn="tl">
+                    <a:srgbClr val="000000">
+                      <a:alpha val="43137"/>
+                    </a:srgbClr>
+                  </a:outerShdw>
+                </a:effectLst>
+                <a:latin typeface="Times New Roman" panose="02020603050405020304" pitchFamily="18" charset="0"/>
+                <a:cs typeface="Times New Roman" panose="02020603050405020304" pitchFamily="18" charset="0"/>
+              </a:rPr>
+              <a:t>1:39</a:t>
+            </a:r>
+          </a:p>
+          <a:p>
+            <a:pPr algn="ctr"/>
             <a:endParaRPr lang="es-ES" sz="2400" b="1" dirty="0">
               <a:solidFill>
                 <a:schemeClr val="bg1"/>
@@ -3994,7 +4019,7 @@
           </p:cNvPicPr>
           <p:nvPr/>
         </p:nvPicPr>
-        <p:blipFill>
+        <p:blipFill rotWithShape="1">
           <a:blip r:embed="rId3">
             <a:extLst>
               <a:ext uri="{28A0092B-C50C-407E-A947-70E740481C1C}">
@@ -4002,14 +4027,13 @@
               </a:ext>
             </a:extLst>
           </a:blip>
-          <a:stretch>
-            <a:fillRect/>
-          </a:stretch>
+          <a:srcRect b="37800"/>
+          <a:stretch/>
         </p:blipFill>
         <p:spPr>
           <a:xfrm>
-            <a:off x="2316480" y="1930400"/>
-            <a:ext cx="7741920" cy="4354830"/>
+            <a:off x="403789" y="2014290"/>
+            <a:ext cx="11530291" cy="4034172"/>
           </a:xfrm>
           <a:prstGeom prst="rect">
             <a:avLst/>
@@ -4797,6 +4821,41 @@
           </a:p>
         </p:txBody>
       </p:sp>
+      <p:pic>
+        <p:nvPicPr>
+          <p:cNvPr id="5" name="Imagen 4">
+            <a:extLst>
+              <a:ext uri="{FF2B5EF4-FFF2-40B4-BE49-F238E27FC236}">
+                <a16:creationId xmlns:a16="http://schemas.microsoft.com/office/drawing/2014/main" id="{7ACE3ABC-1BD5-4E4A-A610-A5D54DF1688D}"/>
+              </a:ext>
+            </a:extLst>
+          </p:cNvPr>
+          <p:cNvPicPr>
+            <a:picLocks noChangeAspect="1"/>
+          </p:cNvPicPr>
+          <p:nvPr/>
+        </p:nvPicPr>
+        <p:blipFill rotWithShape="1">
+          <a:blip r:embed="rId3">
+            <a:extLst>
+              <a:ext uri="{28A0092B-C50C-407E-A947-70E740481C1C}">
+                <a14:useLocalDpi xmlns:a14="http://schemas.microsoft.com/office/drawing/2010/main" val="0"/>
+              </a:ext>
+            </a:extLst>
+          </a:blip>
+          <a:srcRect b="20287"/>
+          <a:stretch/>
+        </p:blipFill>
+        <p:spPr>
+          <a:xfrm>
+            <a:off x="604006" y="1585519"/>
+            <a:ext cx="10626813" cy="4764947"/>
+          </a:xfrm>
+          <a:prstGeom prst="rect">
+            <a:avLst/>
+          </a:prstGeom>
+        </p:spPr>
+      </p:pic>
     </p:spTree>
     <p:extLst>
       <p:ext uri="{BB962C8B-B14F-4D97-AF65-F5344CB8AC3E}">
@@ -4979,8 +5038,8 @@
         </p:blipFill>
         <p:spPr>
           <a:xfrm>
-            <a:off x="508000" y="3159760"/>
-            <a:ext cx="5427698" cy="3053080"/>
+            <a:off x="76889" y="2080470"/>
+            <a:ext cx="6019111" cy="3385750"/>
           </a:xfrm>
           <a:prstGeom prst="rect">
             <a:avLst/>
@@ -5119,7 +5178,7 @@
           </p:cNvPicPr>
           <p:nvPr/>
         </p:nvPicPr>
-        <p:blipFill>
+        <p:blipFill rotWithShape="1">
           <a:blip r:embed="rId3">
             <a:extLst>
               <a:ext uri="{28A0092B-C50C-407E-A947-70E740481C1C}">
@@ -5127,14 +5186,13 @@
               </a:ext>
             </a:extLst>
           </a:blip>
-          <a:stretch>
-            <a:fillRect/>
-          </a:stretch>
+          <a:srcRect b="55353"/>
+          <a:stretch/>
         </p:blipFill>
         <p:spPr>
           <a:xfrm>
-            <a:off x="2092960" y="2225040"/>
-            <a:ext cx="7741920" cy="4354830"/>
+            <a:off x="691997" y="2392820"/>
+            <a:ext cx="10915295" cy="2741242"/>
           </a:xfrm>
           <a:prstGeom prst="rect">
             <a:avLst/>
@@ -5273,7 +5331,7 @@
           </p:cNvPicPr>
           <p:nvPr/>
         </p:nvPicPr>
-        <p:blipFill>
+        <p:blipFill rotWithShape="1">
           <a:blip r:embed="rId3">
             <a:extLst>
               <a:ext uri="{28A0092B-C50C-407E-A947-70E740481C1C}">
@@ -5281,14 +5339,13 @@
               </a:ext>
             </a:extLst>
           </a:blip>
-          <a:stretch>
-            <a:fillRect/>
-          </a:stretch>
+          <a:srcRect t="-1" b="53667"/>
+          <a:stretch/>
         </p:blipFill>
         <p:spPr>
           <a:xfrm>
-            <a:off x="2275840" y="2123440"/>
-            <a:ext cx="7495822" cy="4216400"/>
+            <a:off x="606431" y="2064717"/>
+            <a:ext cx="10746788" cy="2800898"/>
           </a:xfrm>
           <a:prstGeom prst="rect">
             <a:avLst/>
@@ -5427,7 +5484,7 @@
           </p:cNvPicPr>
           <p:nvPr/>
         </p:nvPicPr>
-        <p:blipFill>
+        <p:blipFill rotWithShape="1">
           <a:blip r:embed="rId3">
             <a:extLst>
               <a:ext uri="{28A0092B-C50C-407E-A947-70E740481C1C}">
@@ -5435,14 +5492,13 @@
               </a:ext>
             </a:extLst>
           </a:blip>
-          <a:stretch>
-            <a:fillRect/>
-          </a:stretch>
+          <a:srcRect b="50334"/>
+          <a:stretch/>
         </p:blipFill>
         <p:spPr>
           <a:xfrm>
-            <a:off x="2138680" y="1950720"/>
-            <a:ext cx="8001564" cy="4500880"/>
+            <a:off x="385380" y="1959109"/>
+            <a:ext cx="11353071" cy="3171692"/>
           </a:xfrm>
           <a:prstGeom prst="rect">
             <a:avLst/>
@@ -5581,7 +5637,7 @@
           </p:cNvPicPr>
           <p:nvPr/>
         </p:nvPicPr>
-        <p:blipFill>
+        <p:blipFill rotWithShape="1">
           <a:blip r:embed="rId3">
             <a:extLst>
               <a:ext uri="{28A0092B-C50C-407E-A947-70E740481C1C}">
@@ -5589,14 +5645,13 @@
               </a:ext>
             </a:extLst>
           </a:blip>
-          <a:stretch>
-            <a:fillRect/>
-          </a:stretch>
+          <a:srcRect b="38418"/>
+          <a:stretch/>
         </p:blipFill>
         <p:spPr>
           <a:xfrm>
-            <a:off x="2296160" y="2011680"/>
-            <a:ext cx="7802880" cy="4389120"/>
+            <a:off x="324748" y="2077533"/>
+            <a:ext cx="11327560" cy="3923889"/>
           </a:xfrm>
           <a:prstGeom prst="rect">
             <a:avLst/>
@@ -5732,7 +5787,7 @@
           </p:cNvPicPr>
           <p:nvPr/>
         </p:nvPicPr>
-        <p:blipFill>
+        <p:blipFill rotWithShape="1">
           <a:blip r:embed="rId3">
             <a:extLst>
               <a:ext uri="{28A0092B-C50C-407E-A947-70E740481C1C}">
@@ -5740,14 +5795,13 @@
               </a:ext>
             </a:extLst>
           </a:blip>
-          <a:stretch>
-            <a:fillRect/>
-          </a:stretch>
+          <a:srcRect b="38344"/>
+          <a:stretch/>
         </p:blipFill>
         <p:spPr>
           <a:xfrm>
-            <a:off x="2509520" y="2268855"/>
-            <a:ext cx="7172960" cy="4034790"/>
+            <a:off x="311604" y="1815849"/>
+            <a:ext cx="11454333" cy="3972555"/>
           </a:xfrm>
           <a:prstGeom prst="rect">
             <a:avLst/>
